--- a/PPT/01.자바스크립트 - 기초 문법.pptx
+++ b/PPT/01.자바스크립트 - 기초 문법.pptx
@@ -280,7 +280,7 @@
             <a:fld id="{59F3D5DC-F34E-49BF-9D4C-A5ED0BAD1206}" type="datetimeFigureOut">
               <a:rPr lang="ko-KR" altLang="en-US" smtClean="0"/>
               <a:pPr/>
-              <a:t>2022-07-14</a:t>
+              <a:t>2022-07-15</a:t>
             </a:fld>
             <a:endParaRPr lang="ko-KR" altLang="en-US"/>
           </a:p>
@@ -467,7 +467,7 @@
               <a:pPr>
                 <a:defRPr/>
               </a:pPr>
-              <a:t>2022-07-14</a:t>
+              <a:t>2022-07-15</a:t>
             </a:fld>
             <a:endParaRPr lang="ko-KR" altLang="en-US"/>
           </a:p>
@@ -20540,7 +20540,11 @@
             <a:graphicFrameLocks noGrp="1"/>
           </p:cNvGraphicFramePr>
           <p:nvPr>
-            <p:extLst/>
+            <p:extLst>
+              <p:ext uri="{D42A27DB-BD31-4B8C-83A1-F6EECF244321}">
+                <p14:modId xmlns:p14="http://schemas.microsoft.com/office/powerpoint/2010/main" val="3217286635"/>
+              </p:ext>
+            </p:extLst>
           </p:nvPr>
         </p:nvGraphicFramePr>
         <p:xfrm>
@@ -21623,7 +21627,7 @@
                         <a:t>1998</a:t>
                       </a:r>
                       <a:r>
-                        <a:rPr kumimoji="0" lang="ko-KR" altLang="en-US" sz="1800" b="0" i="0" u="none" strike="noStrike" cap="none" normalizeH="0" baseline="0" dirty="0" smtClean="0">
+                        <a:rPr kumimoji="0" lang="ko-KR" altLang="en-US" sz="1800" b="0" i="0" u="none" strike="noStrike" cap="none" normalizeH="0" baseline="0" smtClean="0">
                           <a:ln>
                             <a:noFill/>
                           </a:ln>
@@ -21637,7 +21641,7 @@
                         <a:t>년 </a:t>
                       </a:r>
                       <a:r>
-                        <a:rPr kumimoji="0" lang="en-US" altLang="ko-KR" sz="1800" b="0" i="0" u="none" strike="noStrike" cap="none" normalizeH="0" baseline="0" dirty="0" smtClean="0">
+                        <a:rPr kumimoji="0" lang="en-US" altLang="ko-KR" sz="1800" b="0" i="0" u="none" strike="noStrike" cap="none" normalizeH="0" baseline="0" smtClean="0">
                           <a:ln>
                             <a:noFill/>
                           </a:ln>
@@ -21648,10 +21652,10 @@
                           <a:latin typeface="맑은 고딕" pitchFamily="50" charset="-127"/>
                           <a:ea typeface="맑은 고딕" pitchFamily="50" charset="-127"/>
                         </a:rPr>
-                        <a:t>06</a:t>
+                        <a:t>08</a:t>
                       </a:r>
                       <a:r>
-                        <a:rPr kumimoji="0" lang="ko-KR" altLang="en-US" sz="1800" b="0" i="0" u="none" strike="noStrike" cap="none" normalizeH="0" baseline="0" dirty="0" smtClean="0">
+                        <a:rPr kumimoji="0" lang="ko-KR" altLang="en-US" sz="1800" b="0" i="0" u="none" strike="noStrike" cap="none" normalizeH="0" baseline="0" smtClean="0">
                           <a:ln>
                             <a:noFill/>
                           </a:ln>
@@ -21664,6 +21668,17 @@
                         </a:rPr>
                         <a:t>월</a:t>
                       </a:r>
+                      <a:endParaRPr kumimoji="0" lang="ko-KR" altLang="en-US" sz="1800" b="0" i="0" u="none" strike="noStrike" cap="none" normalizeH="0" baseline="0" dirty="0" smtClean="0">
+                        <a:ln>
+                          <a:noFill/>
+                        </a:ln>
+                        <a:solidFill>
+                          <a:srgbClr val="000000"/>
+                        </a:solidFill>
+                        <a:effectLst/>
+                        <a:latin typeface="맑은 고딕" pitchFamily="50" charset="-127"/>
+                        <a:ea typeface="맑은 고딕" pitchFamily="50" charset="-127"/>
+                      </a:endParaRPr>
                     </a:p>
                   </a:txBody>
                   <a:tcPr anchor="ctr" horzOverflow="overflow">
@@ -32427,10 +32442,38 @@
                           <a:latin typeface="맑은 고딕" pitchFamily="50" charset="-127"/>
                           <a:ea typeface="맑은 고딕" pitchFamily="50" charset="-127"/>
                         </a:rPr>
-                        <a:t>"Hello World!!!"</a:t>
+                        <a:t>"</a:t>
                       </a:r>
                       <a:r>
-                        <a:rPr kumimoji="0" lang="en-US" altLang="ko-KR" sz="1800" b="1" i="0" u="none" strike="noStrike" cap="none" normalizeH="0" baseline="0" dirty="0" smtClean="0">
+                        <a:rPr kumimoji="0" lang="en-US" altLang="ko-KR" sz="1800" b="1" i="0" u="none" strike="noStrike" cap="none" normalizeH="0" baseline="0" smtClean="0">
+                          <a:ln>
+                            <a:noFill/>
+                          </a:ln>
+                          <a:solidFill>
+                            <a:srgbClr val="005C00"/>
+                          </a:solidFill>
+                          <a:effectLst/>
+                          <a:latin typeface="맑은 고딕" pitchFamily="50" charset="-127"/>
+                          <a:ea typeface="맑은 고딕" pitchFamily="50" charset="-127"/>
+                        </a:rPr>
+                        <a:t>Hello </a:t>
+                      </a:r>
+                      <a:r>
+                        <a:rPr kumimoji="0" lang="en-US" altLang="ko-KR" sz="1800" b="1" i="0" u="none" strike="noStrike" cap="none" normalizeH="0" baseline="0" smtClean="0">
+                          <a:ln>
+                            <a:noFill/>
+                          </a:ln>
+                          <a:solidFill>
+                            <a:srgbClr val="005C00"/>
+                          </a:solidFill>
+                          <a:effectLst/>
+                          <a:latin typeface="맑은 고딕" pitchFamily="50" charset="-127"/>
+                          <a:ea typeface="맑은 고딕" pitchFamily="50" charset="-127"/>
+                        </a:rPr>
+                        <a:t>World!!!"</a:t>
+                      </a:r>
+                      <a:r>
+                        <a:rPr kumimoji="0" lang="en-US" altLang="ko-KR" sz="1800" b="1" i="0" u="none" strike="noStrike" cap="none" normalizeH="0" baseline="0" smtClean="0">
                           <a:ln>
                             <a:noFill/>
                           </a:ln>
